--- a/MS Project_xixi.pptx
+++ b/MS Project_xixi.pptx
@@ -250,11 +250,11 @@
           <c:showBubbleSize val="0"/>
         </c:dLbls>
         <c:gapWidth val="150"/>
-        <c:axId val="2121349576"/>
-        <c:axId val="-2116556632"/>
+        <c:axId val="-2115308808"/>
+        <c:axId val="2030234056"/>
       </c:barChart>
       <c:catAx>
-        <c:axId val="2121349576"/>
+        <c:axId val="-2115308808"/>
         <c:scaling>
           <c:orientation val="minMax"/>
         </c:scaling>
@@ -263,7 +263,7 @@
         <c:majorTickMark val="out"/>
         <c:minorTickMark val="none"/>
         <c:tickLblPos val="nextTo"/>
-        <c:crossAx val="-2116556632"/>
+        <c:crossAx val="2030234056"/>
         <c:crosses val="autoZero"/>
         <c:auto val="1"/>
         <c:lblAlgn val="ctr"/>
@@ -271,7 +271,7 @@
         <c:noMultiLvlLbl val="0"/>
       </c:catAx>
       <c:valAx>
-        <c:axId val="-2116556632"/>
+        <c:axId val="2030234056"/>
         <c:scaling>
           <c:orientation val="minMax"/>
         </c:scaling>
@@ -282,7 +282,7 @@
         <c:majorTickMark val="out"/>
         <c:minorTickMark val="none"/>
         <c:tickLblPos val="nextTo"/>
-        <c:crossAx val="2121349576"/>
+        <c:crossAx val="-2115308808"/>
         <c:crosses val="autoZero"/>
         <c:crossBetween val="between"/>
       </c:valAx>
@@ -4390,6 +4390,13 @@
         </dgm:presLayoutVars>
       </dgm:prSet>
       <dgm:spPr/>
+      <dgm:t>
+        <a:bodyPr/>
+        <a:lstStyle/>
+        <a:p>
+          <a:endParaRPr lang="zh-CN" altLang="en-US"/>
+        </a:p>
+      </dgm:t>
     </dgm:pt>
     <dgm:pt modelId="{4637AFB4-5F4D-784B-A7D7-0C2DCBF8DC3A}" type="pres">
       <dgm:prSet presAssocID="{46A31F5A-1F96-A446-A09D-22E0566626EC}" presName="Name1" presStyleCnt="0"/>
@@ -4406,6 +4413,13 @@
     <dgm:pt modelId="{3F67F584-DCCA-A249-BAD3-009C863575E0}" type="pres">
       <dgm:prSet presAssocID="{46A31F5A-1F96-A446-A09D-22E0566626EC}" presName="conn" presStyleLbl="parChTrans1D2" presStyleIdx="0" presStyleCnt="1"/>
       <dgm:spPr/>
+      <dgm:t>
+        <a:bodyPr/>
+        <a:lstStyle/>
+        <a:p>
+          <a:endParaRPr lang="zh-CN" altLang="en-US"/>
+        </a:p>
+      </dgm:t>
     </dgm:pt>
     <dgm:pt modelId="{258AFD88-BF32-FF4A-B720-F108411B6245}" type="pres">
       <dgm:prSet presAssocID="{46A31F5A-1F96-A446-A09D-22E0566626EC}" presName="extraNode" presStyleLbl="node1" presStyleIdx="0" presStyleCnt="4"/>
@@ -4422,6 +4436,13 @@
         </dgm:presLayoutVars>
       </dgm:prSet>
       <dgm:spPr/>
+      <dgm:t>
+        <a:bodyPr/>
+        <a:lstStyle/>
+        <a:p>
+          <a:endParaRPr lang="zh-CN" altLang="en-US"/>
+        </a:p>
+      </dgm:t>
     </dgm:pt>
     <dgm:pt modelId="{4DA31F19-B50B-C047-9265-FF5C346CA20E}" type="pres">
       <dgm:prSet presAssocID="{F8D360AE-666E-2549-ACCD-C31895096B49}" presName="accent_1" presStyleCnt="0"/>
@@ -4445,6 +4466,13 @@
         </dgm:presLayoutVars>
       </dgm:prSet>
       <dgm:spPr/>
+      <dgm:t>
+        <a:bodyPr/>
+        <a:lstStyle/>
+        <a:p>
+          <a:endParaRPr lang="zh-CN" altLang="en-US"/>
+        </a:p>
+      </dgm:t>
     </dgm:pt>
     <dgm:pt modelId="{AA60D4A8-F251-5546-B823-0D175D5D6918}" type="pres">
       <dgm:prSet presAssocID="{92182F61-5FFD-064D-839E-0C7EE227352E}" presName="accent_2" presStyleCnt="0"/>
@@ -4461,6 +4489,13 @@
         </dgm:presLayoutVars>
       </dgm:prSet>
       <dgm:spPr/>
+      <dgm:t>
+        <a:bodyPr/>
+        <a:lstStyle/>
+        <a:p>
+          <a:endParaRPr lang="zh-CN" altLang="en-US"/>
+        </a:p>
+      </dgm:t>
     </dgm:pt>
     <dgm:pt modelId="{0880FEFE-52D6-BE45-A500-ECC41D0BEDA6}" type="pres">
       <dgm:prSet presAssocID="{2927E959-08F1-6A40-9EB2-266A53F59209}" presName="accent_3" presStyleCnt="0"/>
@@ -4496,8 +4531,8 @@
   </dgm:ptLst>
   <dgm:cxnLst>
     <dgm:cxn modelId="{D0AA9C89-A601-DE47-A1E3-21584168605E}" type="presOf" srcId="{46A31F5A-1F96-A446-A09D-22E0566626EC}" destId="{B9D6339A-89A0-F54A-B287-A354D2970558}" srcOrd="0" destOrd="0" presId="urn:microsoft.com/office/officeart/2008/layout/VerticalCurvedList"/>
+    <dgm:cxn modelId="{43395DCF-C3CD-1F4C-863D-1B53FEC6F909}" type="presOf" srcId="{2927E959-08F1-6A40-9EB2-266A53F59209}" destId="{3083B6AE-FC28-A647-9B33-1FCC41DE224C}" srcOrd="0" destOrd="0" presId="urn:microsoft.com/office/officeart/2008/layout/VerticalCurvedList"/>
     <dgm:cxn modelId="{4AA1DBE4-8D6F-B347-9017-C1D07C602178}" srcId="{46A31F5A-1F96-A446-A09D-22E0566626EC}" destId="{F8D360AE-666E-2549-ACCD-C31895096B49}" srcOrd="0" destOrd="0" parTransId="{C61E29F3-5DB8-F344-BFB4-71181465466B}" sibTransId="{6FE5265F-B97A-9444-9EE0-667CC806BAEB}"/>
-    <dgm:cxn modelId="{43395DCF-C3CD-1F4C-863D-1B53FEC6F909}" type="presOf" srcId="{2927E959-08F1-6A40-9EB2-266A53F59209}" destId="{3083B6AE-FC28-A647-9B33-1FCC41DE224C}" srcOrd="0" destOrd="0" presId="urn:microsoft.com/office/officeart/2008/layout/VerticalCurvedList"/>
     <dgm:cxn modelId="{A7F22016-74F2-9047-A06A-08768E4E675D}" srcId="{46A31F5A-1F96-A446-A09D-22E0566626EC}" destId="{2927E959-08F1-6A40-9EB2-266A53F59209}" srcOrd="2" destOrd="0" parTransId="{A668599A-B1D0-DB43-B500-642FF45E6864}" sibTransId="{52FD244C-BE10-174E-AA6C-F38ABF50048D}"/>
     <dgm:cxn modelId="{B87AC0EC-B36C-B242-A99C-F3F9DA6F9EE8}" srcId="{46A31F5A-1F96-A446-A09D-22E0566626EC}" destId="{0C1436A5-AB80-DC40-8DA2-D84824E089FE}" srcOrd="3" destOrd="0" parTransId="{B1900F27-750E-7446-B690-5D732C376A4E}" sibTransId="{E43516CE-B84B-604E-8300-89CE91B475A7}"/>
     <dgm:cxn modelId="{3763A740-65CC-3F47-8DCD-51E7A8FADC3C}" type="presOf" srcId="{6FE5265F-B97A-9444-9EE0-667CC806BAEB}" destId="{3F67F584-DCCA-A249-BAD3-009C863575E0}" srcOrd="0" destOrd="0" presId="urn:microsoft.com/office/officeart/2008/layout/VerticalCurvedList"/>
@@ -4705,6 +4740,13 @@
         </dgm:presLayoutVars>
       </dgm:prSet>
       <dgm:spPr/>
+      <dgm:t>
+        <a:bodyPr/>
+        <a:lstStyle/>
+        <a:p>
+          <a:endParaRPr lang="zh-CN" altLang="en-US"/>
+        </a:p>
+      </dgm:t>
     </dgm:pt>
     <dgm:pt modelId="{4637AFB4-5F4D-784B-A7D7-0C2DCBF8DC3A}" type="pres">
       <dgm:prSet presAssocID="{46A31F5A-1F96-A446-A09D-22E0566626EC}" presName="Name1" presStyleCnt="0"/>
@@ -4721,6 +4763,13 @@
     <dgm:pt modelId="{3F67F584-DCCA-A249-BAD3-009C863575E0}" type="pres">
       <dgm:prSet presAssocID="{46A31F5A-1F96-A446-A09D-22E0566626EC}" presName="conn" presStyleLbl="parChTrans1D2" presStyleIdx="0" presStyleCnt="1"/>
       <dgm:spPr/>
+      <dgm:t>
+        <a:bodyPr/>
+        <a:lstStyle/>
+        <a:p>
+          <a:endParaRPr lang="zh-CN" altLang="en-US"/>
+        </a:p>
+      </dgm:t>
     </dgm:pt>
     <dgm:pt modelId="{258AFD88-BF32-FF4A-B720-F108411B6245}" type="pres">
       <dgm:prSet presAssocID="{46A31F5A-1F96-A446-A09D-22E0566626EC}" presName="extraNode" presStyleLbl="node1" presStyleIdx="0" presStyleCnt="4"/>
@@ -4737,6 +4786,13 @@
         </dgm:presLayoutVars>
       </dgm:prSet>
       <dgm:spPr/>
+      <dgm:t>
+        <a:bodyPr/>
+        <a:lstStyle/>
+        <a:p>
+          <a:endParaRPr lang="zh-CN" altLang="en-US"/>
+        </a:p>
+      </dgm:t>
     </dgm:pt>
     <dgm:pt modelId="{4DA31F19-B50B-C047-9265-FF5C346CA20E}" type="pres">
       <dgm:prSet presAssocID="{F8D360AE-666E-2549-ACCD-C31895096B49}" presName="accent_1" presStyleCnt="0"/>
@@ -4760,6 +4816,13 @@
         </dgm:presLayoutVars>
       </dgm:prSet>
       <dgm:spPr/>
+      <dgm:t>
+        <a:bodyPr/>
+        <a:lstStyle/>
+        <a:p>
+          <a:endParaRPr lang="zh-CN" altLang="en-US"/>
+        </a:p>
+      </dgm:t>
     </dgm:pt>
     <dgm:pt modelId="{AA60D4A8-F251-5546-B823-0D175D5D6918}" type="pres">
       <dgm:prSet presAssocID="{92182F61-5FFD-064D-839E-0C7EE227352E}" presName="accent_2" presStyleCnt="0"/>
@@ -4776,6 +4839,13 @@
         </dgm:presLayoutVars>
       </dgm:prSet>
       <dgm:spPr/>
+      <dgm:t>
+        <a:bodyPr/>
+        <a:lstStyle/>
+        <a:p>
+          <a:endParaRPr lang="zh-CN" altLang="en-US"/>
+        </a:p>
+      </dgm:t>
     </dgm:pt>
     <dgm:pt modelId="{0880FEFE-52D6-BE45-A500-ECC41D0BEDA6}" type="pres">
       <dgm:prSet presAssocID="{2927E959-08F1-6A40-9EB2-266A53F59209}" presName="accent_3" presStyleCnt="0"/>
@@ -5020,6 +5090,13 @@
         </dgm:presLayoutVars>
       </dgm:prSet>
       <dgm:spPr/>
+      <dgm:t>
+        <a:bodyPr/>
+        <a:lstStyle/>
+        <a:p>
+          <a:endParaRPr lang="zh-CN" altLang="en-US"/>
+        </a:p>
+      </dgm:t>
     </dgm:pt>
     <dgm:pt modelId="{4637AFB4-5F4D-784B-A7D7-0C2DCBF8DC3A}" type="pres">
       <dgm:prSet presAssocID="{46A31F5A-1F96-A446-A09D-22E0566626EC}" presName="Name1" presStyleCnt="0"/>
@@ -5036,6 +5113,13 @@
     <dgm:pt modelId="{3F67F584-DCCA-A249-BAD3-009C863575E0}" type="pres">
       <dgm:prSet presAssocID="{46A31F5A-1F96-A446-A09D-22E0566626EC}" presName="conn" presStyleLbl="parChTrans1D2" presStyleIdx="0" presStyleCnt="1"/>
       <dgm:spPr/>
+      <dgm:t>
+        <a:bodyPr/>
+        <a:lstStyle/>
+        <a:p>
+          <a:endParaRPr lang="zh-CN" altLang="en-US"/>
+        </a:p>
+      </dgm:t>
     </dgm:pt>
     <dgm:pt modelId="{258AFD88-BF32-FF4A-B720-F108411B6245}" type="pres">
       <dgm:prSet presAssocID="{46A31F5A-1F96-A446-A09D-22E0566626EC}" presName="extraNode" presStyleLbl="node1" presStyleIdx="0" presStyleCnt="4"/>
@@ -5052,6 +5136,13 @@
         </dgm:presLayoutVars>
       </dgm:prSet>
       <dgm:spPr/>
+      <dgm:t>
+        <a:bodyPr/>
+        <a:lstStyle/>
+        <a:p>
+          <a:endParaRPr lang="zh-CN" altLang="en-US"/>
+        </a:p>
+      </dgm:t>
     </dgm:pt>
     <dgm:pt modelId="{4DA31F19-B50B-C047-9265-FF5C346CA20E}" type="pres">
       <dgm:prSet presAssocID="{F8D360AE-666E-2549-ACCD-C31895096B49}" presName="accent_1" presStyleCnt="0"/>
@@ -5075,6 +5166,13 @@
         </dgm:presLayoutVars>
       </dgm:prSet>
       <dgm:spPr/>
+      <dgm:t>
+        <a:bodyPr/>
+        <a:lstStyle/>
+        <a:p>
+          <a:endParaRPr lang="zh-CN" altLang="en-US"/>
+        </a:p>
+      </dgm:t>
     </dgm:pt>
     <dgm:pt modelId="{AA60D4A8-F251-5546-B823-0D175D5D6918}" type="pres">
       <dgm:prSet presAssocID="{92182F61-5FFD-064D-839E-0C7EE227352E}" presName="accent_2" presStyleCnt="0"/>
@@ -5091,6 +5189,13 @@
         </dgm:presLayoutVars>
       </dgm:prSet>
       <dgm:spPr/>
+      <dgm:t>
+        <a:bodyPr/>
+        <a:lstStyle/>
+        <a:p>
+          <a:endParaRPr lang="zh-CN" altLang="en-US"/>
+        </a:p>
+      </dgm:t>
     </dgm:pt>
     <dgm:pt modelId="{0880FEFE-52D6-BE45-A500-ECC41D0BEDA6}" type="pres">
       <dgm:prSet presAssocID="{2927E959-08F1-6A40-9EB2-266A53F59209}" presName="accent_3" presStyleCnt="0"/>
@@ -5335,6 +5440,13 @@
         </dgm:presLayoutVars>
       </dgm:prSet>
       <dgm:spPr/>
+      <dgm:t>
+        <a:bodyPr/>
+        <a:lstStyle/>
+        <a:p>
+          <a:endParaRPr lang="zh-CN" altLang="en-US"/>
+        </a:p>
+      </dgm:t>
     </dgm:pt>
     <dgm:pt modelId="{4637AFB4-5F4D-784B-A7D7-0C2DCBF8DC3A}" type="pres">
       <dgm:prSet presAssocID="{46A31F5A-1F96-A446-A09D-22E0566626EC}" presName="Name1" presStyleCnt="0"/>
@@ -5351,6 +5463,13 @@
     <dgm:pt modelId="{3F67F584-DCCA-A249-BAD3-009C863575E0}" type="pres">
       <dgm:prSet presAssocID="{46A31F5A-1F96-A446-A09D-22E0566626EC}" presName="conn" presStyleLbl="parChTrans1D2" presStyleIdx="0" presStyleCnt="1"/>
       <dgm:spPr/>
+      <dgm:t>
+        <a:bodyPr/>
+        <a:lstStyle/>
+        <a:p>
+          <a:endParaRPr lang="zh-CN" altLang="en-US"/>
+        </a:p>
+      </dgm:t>
     </dgm:pt>
     <dgm:pt modelId="{258AFD88-BF32-FF4A-B720-F108411B6245}" type="pres">
       <dgm:prSet presAssocID="{46A31F5A-1F96-A446-A09D-22E0566626EC}" presName="extraNode" presStyleLbl="node1" presStyleIdx="0" presStyleCnt="4"/>
@@ -5367,6 +5486,13 @@
         </dgm:presLayoutVars>
       </dgm:prSet>
       <dgm:spPr/>
+      <dgm:t>
+        <a:bodyPr/>
+        <a:lstStyle/>
+        <a:p>
+          <a:endParaRPr lang="zh-CN" altLang="en-US"/>
+        </a:p>
+      </dgm:t>
     </dgm:pt>
     <dgm:pt modelId="{4DA31F19-B50B-C047-9265-FF5C346CA20E}" type="pres">
       <dgm:prSet presAssocID="{F8D360AE-666E-2549-ACCD-C31895096B49}" presName="accent_1" presStyleCnt="0"/>
@@ -5390,6 +5516,13 @@
         </dgm:presLayoutVars>
       </dgm:prSet>
       <dgm:spPr/>
+      <dgm:t>
+        <a:bodyPr/>
+        <a:lstStyle/>
+        <a:p>
+          <a:endParaRPr lang="zh-CN" altLang="en-US"/>
+        </a:p>
+      </dgm:t>
     </dgm:pt>
     <dgm:pt modelId="{AA60D4A8-F251-5546-B823-0D175D5D6918}" type="pres">
       <dgm:prSet presAssocID="{92182F61-5FFD-064D-839E-0C7EE227352E}" presName="accent_2" presStyleCnt="0"/>
@@ -5406,6 +5539,13 @@
         </dgm:presLayoutVars>
       </dgm:prSet>
       <dgm:spPr/>
+      <dgm:t>
+        <a:bodyPr/>
+        <a:lstStyle/>
+        <a:p>
+          <a:endParaRPr lang="zh-CN" altLang="en-US"/>
+        </a:p>
+      </dgm:t>
     </dgm:pt>
     <dgm:pt modelId="{0880FEFE-52D6-BE45-A500-ECC41D0BEDA6}" type="pres">
       <dgm:prSet presAssocID="{2927E959-08F1-6A40-9EB2-266A53F59209}" presName="accent_3" presStyleCnt="0"/>
@@ -5650,6 +5790,13 @@
         </dgm:presLayoutVars>
       </dgm:prSet>
       <dgm:spPr/>
+      <dgm:t>
+        <a:bodyPr/>
+        <a:lstStyle/>
+        <a:p>
+          <a:endParaRPr lang="zh-CN" altLang="en-US"/>
+        </a:p>
+      </dgm:t>
     </dgm:pt>
     <dgm:pt modelId="{4637AFB4-5F4D-784B-A7D7-0C2DCBF8DC3A}" type="pres">
       <dgm:prSet presAssocID="{46A31F5A-1F96-A446-A09D-22E0566626EC}" presName="Name1" presStyleCnt="0"/>
@@ -5666,6 +5813,13 @@
     <dgm:pt modelId="{3F67F584-DCCA-A249-BAD3-009C863575E0}" type="pres">
       <dgm:prSet presAssocID="{46A31F5A-1F96-A446-A09D-22E0566626EC}" presName="conn" presStyleLbl="parChTrans1D2" presStyleIdx="0" presStyleCnt="1"/>
       <dgm:spPr/>
+      <dgm:t>
+        <a:bodyPr/>
+        <a:lstStyle/>
+        <a:p>
+          <a:endParaRPr lang="zh-CN" altLang="en-US"/>
+        </a:p>
+      </dgm:t>
     </dgm:pt>
     <dgm:pt modelId="{258AFD88-BF32-FF4A-B720-F108411B6245}" type="pres">
       <dgm:prSet presAssocID="{46A31F5A-1F96-A446-A09D-22E0566626EC}" presName="extraNode" presStyleLbl="node1" presStyleIdx="0" presStyleCnt="4"/>
@@ -5682,6 +5836,13 @@
         </dgm:presLayoutVars>
       </dgm:prSet>
       <dgm:spPr/>
+      <dgm:t>
+        <a:bodyPr/>
+        <a:lstStyle/>
+        <a:p>
+          <a:endParaRPr lang="zh-CN" altLang="en-US"/>
+        </a:p>
+      </dgm:t>
     </dgm:pt>
     <dgm:pt modelId="{4DA31F19-B50B-C047-9265-FF5C346CA20E}" type="pres">
       <dgm:prSet presAssocID="{F8D360AE-666E-2549-ACCD-C31895096B49}" presName="accent_1" presStyleCnt="0"/>
@@ -5705,6 +5866,13 @@
         </dgm:presLayoutVars>
       </dgm:prSet>
       <dgm:spPr/>
+      <dgm:t>
+        <a:bodyPr/>
+        <a:lstStyle/>
+        <a:p>
+          <a:endParaRPr lang="zh-CN" altLang="en-US"/>
+        </a:p>
+      </dgm:t>
     </dgm:pt>
     <dgm:pt modelId="{AA60D4A8-F251-5546-B823-0D175D5D6918}" type="pres">
       <dgm:prSet presAssocID="{92182F61-5FFD-064D-839E-0C7EE227352E}" presName="accent_2" presStyleCnt="0"/>
@@ -5721,6 +5889,13 @@
         </dgm:presLayoutVars>
       </dgm:prSet>
       <dgm:spPr/>
+      <dgm:t>
+        <a:bodyPr/>
+        <a:lstStyle/>
+        <a:p>
+          <a:endParaRPr lang="zh-CN" altLang="en-US"/>
+        </a:p>
+      </dgm:t>
     </dgm:pt>
     <dgm:pt modelId="{0880FEFE-52D6-BE45-A500-ECC41D0BEDA6}" type="pres">
       <dgm:prSet presAssocID="{2927E959-08F1-6A40-9EB2-266A53F59209}" presName="accent_3" presStyleCnt="0"/>
@@ -22038,7 +22213,7 @@
           <a:p>
             <a:fld id="{54AB02A5-4FE5-49D9-9E24-09F23B90C450}" type="datetimeFigureOut">
               <a:rPr lang="en-US" smtClean="0"/>
-              <a:t>3/14/14</a:t>
+              <a:t>3/16/14</a:t>
             </a:fld>
             <a:endParaRPr lang="en-US"/>
           </a:p>
@@ -22351,7 +22526,7 @@
           <a:p>
             <a:fld id="{54AB02A5-4FE5-49D9-9E24-09F23B90C450}" type="datetimeFigureOut">
               <a:rPr lang="en-US" smtClean="0"/>
-              <a:t>3/14/14</a:t>
+              <a:t>3/16/14</a:t>
             </a:fld>
             <a:endParaRPr lang="en-US"/>
           </a:p>
@@ -22536,7 +22711,7 @@
           <a:p>
             <a:fld id="{54AB02A5-4FE5-49D9-9E24-09F23B90C450}" type="datetimeFigureOut">
               <a:rPr lang="en-US" smtClean="0"/>
-              <a:t>3/14/14</a:t>
+              <a:t>3/16/14</a:t>
             </a:fld>
             <a:endParaRPr lang="en-US"/>
           </a:p>
@@ -22711,7 +22886,7 @@
           <a:p>
             <a:fld id="{54AB02A5-4FE5-49D9-9E24-09F23B90C450}" type="datetimeFigureOut">
               <a:rPr lang="en-US" smtClean="0"/>
-              <a:t>3/14/14</a:t>
+              <a:t>3/16/14</a:t>
             </a:fld>
             <a:endParaRPr lang="en-US"/>
           </a:p>
@@ -22979,7 +23154,7 @@
           <a:p>
             <a:fld id="{54AB02A5-4FE5-49D9-9E24-09F23B90C450}" type="datetimeFigureOut">
               <a:rPr lang="en-US" smtClean="0"/>
-              <a:t>3/14/14</a:t>
+              <a:t>3/16/14</a:t>
             </a:fld>
             <a:endParaRPr lang="en-US"/>
           </a:p>
@@ -23447,7 +23622,7 @@
           <a:p>
             <a:fld id="{54AB02A5-4FE5-49D9-9E24-09F23B90C450}" type="datetimeFigureOut">
               <a:rPr lang="en-US" smtClean="0"/>
-              <a:t>3/14/14</a:t>
+              <a:t>3/16/14</a:t>
             </a:fld>
             <a:endParaRPr lang="en-US"/>
           </a:p>
@@ -23936,7 +24111,7 @@
           <a:p>
             <a:fld id="{54AB02A5-4FE5-49D9-9E24-09F23B90C450}" type="datetimeFigureOut">
               <a:rPr lang="en-US" smtClean="0"/>
-              <a:t>3/14/14</a:t>
+              <a:t>3/16/14</a:t>
             </a:fld>
             <a:endParaRPr lang="en-US"/>
           </a:p>
@@ -24062,7 +24237,7 @@
           <a:p>
             <a:fld id="{54AB02A5-4FE5-49D9-9E24-09F23B90C450}" type="datetimeFigureOut">
               <a:rPr lang="en-US" smtClean="0"/>
-              <a:t>3/14/14</a:t>
+              <a:t>3/16/14</a:t>
             </a:fld>
             <a:endParaRPr lang="en-US"/>
           </a:p>
@@ -24206,7 +24381,7 @@
           <a:p>
             <a:fld id="{54AB02A5-4FE5-49D9-9E24-09F23B90C450}" type="datetimeFigureOut">
               <a:rPr lang="en-US" smtClean="0"/>
-              <a:t>3/14/14</a:t>
+              <a:t>3/16/14</a:t>
             </a:fld>
             <a:endParaRPr lang="en-US"/>
           </a:p>
@@ -24528,7 +24703,7 @@
           <a:p>
             <a:fld id="{54AB02A5-4FE5-49D9-9E24-09F23B90C450}" type="datetimeFigureOut">
               <a:rPr lang="en-US" smtClean="0"/>
-              <a:t>3/14/14</a:t>
+              <a:t>3/16/14</a:t>
             </a:fld>
             <a:endParaRPr lang="en-US"/>
           </a:p>
@@ -24662,7 +24837,7 @@
           <a:p>
             <a:fld id="{54AB02A5-4FE5-49D9-9E24-09F23B90C450}" type="datetimeFigureOut">
               <a:rPr lang="en-US" smtClean="0"/>
-              <a:t>3/14/14</a:t>
+              <a:t>3/16/14</a:t>
             </a:fld>
             <a:endParaRPr lang="en-US"/>
           </a:p>
@@ -25444,7 +25619,7 @@
             <a:pPr algn="r" eaLnBrk="1" latinLnBrk="0" hangingPunct="1"/>
             <a:fld id="{54AB02A5-4FE5-49D9-9E24-09F23B90C450}" type="datetimeFigureOut">
               <a:rPr lang="en-US" smtClean="0"/>
-              <a:t>3/14/14</a:t>
+              <a:t>3/16/14</a:t>
             </a:fld>
             <a:endParaRPr lang="en-US" sz="1200">
               <a:solidFill>
@@ -27794,13 +27969,8 @@
             </a:r>
             <a:r>
               <a:rPr kumimoji="1" lang="en-US" altLang="zh-CN" dirty="0"/>
-              <a:t>("Jobs.title", "software </a:t>
-            </a:r>
-            <a:r>
-              <a:rPr kumimoji="1" lang="en-US" altLang="zh-CN" dirty="0"/>
-              <a:t>engineer”)</a:t>
-            </a:r>
-            <a:endParaRPr kumimoji="1" lang="en-US" altLang="zh-CN" dirty="0"/>
+              <a:t>("Jobs.title", "software engineer”)</a:t>
+            </a:r>
           </a:p>
           <a:p>
             <a:pPr>
@@ -27810,17 +27980,8 @@
             </a:pPr>
             <a:r>
               <a:rPr kumimoji="1" lang="en-US" altLang="zh-CN" dirty="0"/>
-              <a:t>Pair</a:t>
-            </a:r>
-            <a:r>
-              <a:rPr kumimoji="1" lang="en-US" altLang="zh-CN" dirty="0"/>
-              <a:t>("Jobs.location", "San </a:t>
-            </a:r>
-            <a:r>
-              <a:rPr kumimoji="1" lang="en-US" altLang="zh-CN" dirty="0"/>
-              <a:t>Francisco”)</a:t>
-            </a:r>
-            <a:endParaRPr kumimoji="1" lang="en-US" altLang="zh-CN" dirty="0"/>
+              <a:t>Pair("Jobs.location", "San Francisco”)</a:t>
+            </a:r>
           </a:p>
           <a:p>
             <a:pPr>
@@ -27830,17 +27991,8 @@
             </a:pPr>
             <a:r>
               <a:rPr kumimoji="1" lang="en-US" altLang="zh-CN" dirty="0"/>
-              <a:t>Pair</a:t>
-            </a:r>
-            <a:r>
-              <a:rPr kumimoji="1" lang="en-US" altLang="zh-CN" dirty="0"/>
-              <a:t>("Jobs.location", "Mountain </a:t>
-            </a:r>
-            <a:r>
-              <a:rPr kumimoji="1" lang="en-US" altLang="zh-CN" dirty="0"/>
-              <a:t>View”)</a:t>
-            </a:r>
-            <a:endParaRPr kumimoji="1" lang="en-US" altLang="zh-CN" dirty="0"/>
+              <a:t>Pair("Jobs.location", "Mountain View”)</a:t>
+            </a:r>
           </a:p>
           <a:p>
             <a:pPr>
@@ -27850,15 +28002,7 @@
             </a:pPr>
             <a:r>
               <a:rPr kumimoji="1" lang="en-US" altLang="zh-CN" dirty="0"/>
-              <a:t>Pair</a:t>
-            </a:r>
-            <a:r>
-              <a:rPr kumimoji="1" lang="en-US" altLang="zh-CN" dirty="0"/>
-              <a:t>("Jobs.location", "San </a:t>
-            </a:r>
-            <a:r>
-              <a:rPr kumimoji="1" lang="en-US" altLang="zh-CN" dirty="0"/>
-              <a:t>Diego”</a:t>
+              <a:t>Pair("Jobs.location", "San Diego”</a:t>
             </a:r>
             <a:r>
               <a:rPr kumimoji="1" lang="en-US" altLang="zh-CN" dirty="0" smtClean="0"/>
@@ -28051,11 +28195,7 @@
           <a:p>
             <a:r>
               <a:rPr kumimoji="1" lang="en-US" altLang="zh-CN" dirty="0" smtClean="0"/>
-              <a:t>Collect words/phrases from </a:t>
-            </a:r>
-            <a:r>
-              <a:rPr kumimoji="1" lang="en-US" altLang="zh-CN" dirty="0" smtClean="0"/>
-              <a:t>all fields of the extracted job documents,</a:t>
+              <a:t>Collect words/phrases from all fields of the extracted job documents,</a:t>
             </a:r>
           </a:p>
           <a:p>
@@ -33447,7 +33587,19 @@
             </a:pPr>
             <a:r>
               <a:rPr kumimoji="1" lang="en-US" altLang="zh-CN" dirty="0" smtClean="0"/>
-              <a:t>Use user answers to further screen </a:t>
+              <a:t>Use </a:t>
+            </a:r>
+            <a:r>
+              <a:rPr kumimoji="1" lang="en-US" altLang="zh-CN" dirty="0" smtClean="0"/>
+              <a:t>user’s </a:t>
+            </a:r>
+            <a:r>
+              <a:rPr kumimoji="1" lang="en-US" altLang="zh-CN" dirty="0" smtClean="0"/>
+              <a:t>answers to further screen </a:t>
+            </a:r>
+            <a:r>
+              <a:rPr kumimoji="1" lang="en-US" altLang="zh-CN" dirty="0" smtClean="0"/>
+              <a:t>result set</a:t>
             </a:r>
             <a:endParaRPr kumimoji="1" lang="zh-CN" altLang="en-US" dirty="0"/>
           </a:p>
@@ -36246,11 +36398,7 @@
             </a:pPr>
             <a:r>
               <a:rPr kumimoji="1" lang="en-US" altLang="zh-CN" dirty="0"/>
-              <a:t>Semi</a:t>
-            </a:r>
-            <a:r>
-              <a:rPr kumimoji="1" lang="en-US" altLang="zh-CN" dirty="0"/>
-              <a:t>-structured </a:t>
+              <a:t>Semi-structured </a:t>
             </a:r>
             <a:r>
               <a:rPr kumimoji="1" lang="en-US" altLang="zh-CN" dirty="0" smtClean="0"/>
